--- a/documentation/01 Interfaces Technical - Overview.pptx
+++ b/documentation/01 Interfaces Technical - Overview.pptx
@@ -235,7 +235,7 @@
           <a:p>
             <a:fld id="{CE53DE84-D7B3-4797-B14D-77424657396D}" type="datetimeFigureOut">
               <a:rPr lang="en-GB" smtClean="0"/>
-              <a:t>12/07/2017</a:t>
+              <a:t>05/02/2018</a:t>
             </a:fld>
             <a:endParaRPr lang="en-GB" dirty="0"/>
           </a:p>
@@ -400,7 +400,7 @@
           <a:p>
             <a:fld id="{D1C597EC-6BB0-461C-B045-D257C6C8821E}" type="datetimeFigureOut">
               <a:rPr lang="en-GB" smtClean="0"/>
-              <a:t>12/07/2017</a:t>
+              <a:t>05/02/2018</a:t>
             </a:fld>
             <a:endParaRPr lang="en-GB" dirty="0"/>
           </a:p>
@@ -2514,7 +2514,7 @@
           <a:p>
             <a:fld id="{22E7AA2F-F619-4723-B6E7-545F24B9918D}" type="datetime4">
               <a:rPr lang="en-GB" smtClean="0"/>
-              <a:t>12 July 2017</a:t>
+              <a:t>05 February 2018</a:t>
             </a:fld>
             <a:endParaRPr lang="en-GB" dirty="0"/>
           </a:p>
@@ -2718,7 +2718,7 @@
           <a:p>
             <a:fld id="{2A4201E0-34F3-46A7-AE44-D99163B13904}" type="datetime4">
               <a:rPr lang="en-GB" smtClean="0"/>
-              <a:t>12 July 2017</a:t>
+              <a:t>05 February 2018</a:t>
             </a:fld>
             <a:endParaRPr lang="en-GB" dirty="0"/>
           </a:p>
@@ -2966,7 +2966,7 @@
           <a:p>
             <a:fld id="{4FAE0867-24A8-448F-B507-CC8586AA6B96}" type="datetime4">
               <a:rPr lang="en-GB" smtClean="0"/>
-              <a:t>12 July 2017</a:t>
+              <a:t>05 February 2018</a:t>
             </a:fld>
             <a:endParaRPr lang="en-GB" dirty="0"/>
           </a:p>
@@ -3150,7 +3150,7 @@
           <a:p>
             <a:fld id="{54BE1DED-F17D-40BA-964F-A1C8DEDCEF61}" type="datetime4">
               <a:rPr lang="en-GB" smtClean="0"/>
-              <a:t>12 July 2017</a:t>
+              <a:t>05 February 2018</a:t>
             </a:fld>
             <a:endParaRPr lang="en-GB" dirty="0"/>
           </a:p>
@@ -3526,7 +3526,7 @@
             <a:fld id="{D9FBC6CA-9941-44FF-B65D-C7A23CB5A4BE}" type="datetime4">
               <a:rPr lang="en-GB" smtClean="0"/>
               <a:pPr/>
-              <a:t>12 July 2017</a:t>
+              <a:t>05 February 2018</a:t>
             </a:fld>
             <a:endParaRPr lang="en-GB" dirty="0"/>
           </a:p>
@@ -3712,7 +3712,7 @@
           <a:p>
             <a:fld id="{D473304B-F8FC-4BC7-8FE8-C50BC87E1FAB}" type="datetime4">
               <a:rPr lang="en-GB" smtClean="0"/>
-              <a:t>12 July 2017</a:t>
+              <a:t>05 February 2018</a:t>
             </a:fld>
             <a:endParaRPr lang="en-GB" dirty="0"/>
           </a:p>
@@ -3807,7 +3807,7 @@
           <a:p>
             <a:fld id="{D3D7C3DF-C1B2-4C30-9BDA-F5EE790E7213}" type="datetime4">
               <a:rPr lang="en-GB" smtClean="0"/>
-              <a:t>12 July 2017</a:t>
+              <a:t>05 February 2018</a:t>
             </a:fld>
             <a:endParaRPr lang="en-GB" dirty="0"/>
           </a:p>
@@ -4032,7 +4032,7 @@
           <a:p>
             <a:fld id="{7A1E630C-C3F3-4A66-A20B-F3CE4CC3331D}" type="datetime4">
               <a:rPr lang="en-GB" smtClean="0"/>
-              <a:t>12 July 2017</a:t>
+              <a:t>05 February 2018</a:t>
             </a:fld>
             <a:endParaRPr lang="en-GB" dirty="0"/>
           </a:p>
@@ -4666,7 +4666,7 @@
           <a:p>
             <a:fld id="{D22C19FE-D082-4640-BFED-203C0E583774}" type="datetime4">
               <a:rPr lang="en-GB" smtClean="0"/>
-              <a:t>12 July 2017</a:t>
+              <a:t>05 February 2018</a:t>
             </a:fld>
             <a:endParaRPr lang="en-GB" dirty="0"/>
           </a:p>
@@ -5271,7 +5271,7 @@
             <a:pPr lvl="1"/>
             <a:r>
               <a:rPr lang="en-GB" dirty="0" smtClean="0"/>
-              <a:t>July 2017</a:t>
+              <a:t>2018</a:t>
             </a:r>
             <a:endParaRPr lang="en-GB" dirty="0"/>
           </a:p>
@@ -5512,7 +5512,7 @@
             <a:fld id="{BC3F1638-3586-4527-A760-38AC15BFC248}" type="datetime4">
               <a:rPr lang="en-GB" smtClean="0"/>
               <a:pPr/>
-              <a:t>12 July 2017</a:t>
+              <a:t>05 February 2018</a:t>
             </a:fld>
             <a:endParaRPr lang="en-GB" dirty="0"/>
           </a:p>
@@ -6303,7 +6303,7 @@
             <a:fld id="{BC3F1638-3586-4527-A760-38AC15BFC248}" type="datetime4">
               <a:rPr lang="en-GB" smtClean="0"/>
               <a:pPr/>
-              <a:t>12 July 2017</a:t>
+              <a:t>05 February 2018</a:t>
             </a:fld>
             <a:endParaRPr lang="en-GB" dirty="0"/>
           </a:p>
@@ -7051,7 +7051,7 @@
             <a:fld id="{BC3F1638-3586-4527-A760-38AC15BFC248}" type="datetime4">
               <a:rPr lang="en-GB" smtClean="0"/>
               <a:pPr/>
-              <a:t>12 July 2017</a:t>
+              <a:t>05 February 2018</a:t>
             </a:fld>
             <a:endParaRPr lang="en-GB" dirty="0"/>
           </a:p>
@@ -7502,7 +7502,7 @@
             <a:fld id="{BC3F1638-3586-4527-A760-38AC15BFC248}" type="datetime4">
               <a:rPr lang="en-GB" smtClean="0"/>
               <a:pPr/>
-              <a:t>12 July 2017</a:t>
+              <a:t>05 February 2018</a:t>
             </a:fld>
             <a:endParaRPr lang="en-GB" dirty="0"/>
           </a:p>
@@ -9038,7 +9038,7 @@
             <a:fld id="{BC3F1638-3586-4527-A760-38AC15BFC248}" type="datetime4">
               <a:rPr lang="en-GB" smtClean="0"/>
               <a:pPr/>
-              <a:t>12 July 2017</a:t>
+              <a:t>05 February 2018</a:t>
             </a:fld>
             <a:endParaRPr lang="en-GB" dirty="0"/>
           </a:p>
@@ -10559,7 +10559,7 @@
             <a:fld id="{EF132C05-E887-4B50-8D8B-AC34AF4881EA}" type="datetime4">
               <a:rPr lang="en-GB" smtClean="0"/>
               <a:pPr/>
-              <a:t>12 July 2017</a:t>
+              <a:t>05 February 2018</a:t>
             </a:fld>
             <a:endParaRPr lang="en-GB" dirty="0"/>
           </a:p>
@@ -10701,13 +10701,8 @@
             </a:r>
             <a:r>
               <a:rPr lang="en-US" sz="1400" dirty="0" smtClean="0"/>
-              <a:t>supports BACKOUT queues (failures) and </a:t>
-            </a:r>
-            <a:r>
-              <a:rPr lang="en-US" sz="1400" dirty="0" smtClean="0"/>
-              <a:t>listeners failover mechanism.</a:t>
-            </a:r>
-            <a:endParaRPr lang="en-US" sz="1400" dirty="0" smtClean="0"/>
+              <a:t>supports BACKOUT queues (failures) and listeners failover mechanism.</a:t>
+            </a:r>
           </a:p>
           <a:p>
             <a:pPr marL="411163" indent="-411163">
@@ -10982,7 +10977,7 @@
             <a:fld id="{BC3F1638-3586-4527-A760-38AC15BFC248}" type="datetime4">
               <a:rPr lang="en-GB" smtClean="0"/>
               <a:pPr/>
-              <a:t>12 July 2017</a:t>
+              <a:t>05 February 2018</a:t>
             </a:fld>
             <a:endParaRPr lang="en-GB" dirty="0"/>
           </a:p>
@@ -11393,8 +11388,8 @@
         </p:nvSpPr>
         <p:spPr>
           <a:xfrm>
-            <a:off x="623888" y="2604665"/>
-            <a:ext cx="5506946" cy="2138177"/>
+            <a:off x="623888" y="2965934"/>
+            <a:ext cx="5979135" cy="1606847"/>
           </a:xfrm>
         </p:spPr>
         <p:txBody>
@@ -11594,7 +11589,7 @@
             <a:fld id="{BC3F1638-3586-4527-A760-38AC15BFC248}" type="datetime4">
               <a:rPr lang="en-GB" smtClean="0"/>
               <a:pPr/>
-              <a:t>12 July 2017</a:t>
+              <a:t>05 February 2018</a:t>
             </a:fld>
             <a:endParaRPr lang="en-GB" dirty="0"/>
           </a:p>
@@ -11655,7 +11650,7 @@
         </p:nvSpPr>
         <p:spPr>
           <a:xfrm>
-            <a:off x="7880622" y="1793518"/>
+            <a:off x="7836661" y="1978204"/>
             <a:ext cx="3403076" cy="372345"/>
           </a:xfrm>
           <a:prstGeom prst="rect">
@@ -12004,8 +11999,8 @@
         </p:nvSpPr>
         <p:spPr>
           <a:xfrm>
-            <a:off x="623888" y="1563700"/>
-            <a:ext cx="5364163" cy="4469455"/>
+            <a:off x="623888" y="1674976"/>
+            <a:ext cx="5645027" cy="3887531"/>
           </a:xfrm>
         </p:spPr>
         <p:txBody>
@@ -12327,7 +12322,7 @@
             <a:fld id="{BC3F1638-3586-4527-A760-38AC15BFC248}" type="datetime4">
               <a:rPr lang="en-GB" smtClean="0"/>
               <a:pPr/>
-              <a:t>12 July 2017</a:t>
+              <a:t>05 February 2018</a:t>
             </a:fld>
             <a:endParaRPr lang="en-GB" dirty="0"/>
           </a:p>
@@ -12720,7 +12715,7 @@
             <a:fld id="{BC3F1638-3586-4527-A760-38AC15BFC248}" type="datetime4">
               <a:rPr lang="en-GB" smtClean="0"/>
               <a:pPr/>
-              <a:t>12 July 2017</a:t>
+              <a:t>05 February 2018</a:t>
             </a:fld>
             <a:endParaRPr lang="en-GB" dirty="0"/>
           </a:p>
@@ -14312,7 +14307,7 @@
           <a:p>
             <a:fld id="{6096F0BA-ECEE-44D1-ABE9-40C67B221300}" type="datetime4">
               <a:rPr lang="en-GB" smtClean="0"/>
-              <a:t>12 July 2017</a:t>
+              <a:t>05 February 2018</a:t>
             </a:fld>
             <a:endParaRPr lang="en-GB" dirty="0"/>
           </a:p>
@@ -14436,7 +14431,7 @@
             <a:fld id="{BC3F1638-3586-4527-A760-38AC15BFC248}" type="datetime4">
               <a:rPr lang="en-GB" smtClean="0"/>
               <a:pPr/>
-              <a:t>12 July 2017</a:t>
+              <a:t>05 February 2018</a:t>
             </a:fld>
             <a:endParaRPr lang="en-GB" dirty="0"/>
           </a:p>
@@ -16047,7 +16042,7 @@
             <a:fld id="{F50B903D-5BEF-4D88-93B1-45489230976E}" type="datetime4">
               <a:rPr lang="en-GB" smtClean="0"/>
               <a:pPr/>
-              <a:t>12 July 2017</a:t>
+              <a:t>05 February 2018</a:t>
             </a:fld>
             <a:endParaRPr lang="en-GB" dirty="0"/>
           </a:p>
@@ -16218,8 +16213,9 @@
           <a:p>
             <a:r>
               <a:rPr lang="en-GB" dirty="0" smtClean="0"/>
-              <a:t>Alex Perman</a:t>
-            </a:r>
+              <a:t>Integration Team</a:t>
+            </a:r>
+            <a:endParaRPr lang="en-GB" dirty="0" smtClean="0"/>
           </a:p>
         </p:txBody>
       </p:sp>
@@ -16241,7 +16237,7 @@
             <a:fld id="{D98A2CEC-3088-437B-B321-33BEC7D93FCD}" type="datetime4">
               <a:rPr lang="en-GB" smtClean="0"/>
               <a:pPr/>
-              <a:t>12 July 2017</a:t>
+              <a:t>05 February 2018</a:t>
             </a:fld>
             <a:endParaRPr lang="en-GB" dirty="0"/>
           </a:p>
@@ -16409,7 +16405,7 @@
             <a:fld id="{014A5046-EA5E-455B-A3BC-352818629394}" type="datetime4">
               <a:rPr lang="en-GB" smtClean="0"/>
               <a:pPr/>
-              <a:t>12 July 2017</a:t>
+              <a:t>05 February 2018</a:t>
             </a:fld>
             <a:endParaRPr lang="en-GB" dirty="0"/>
           </a:p>
@@ -16755,7 +16751,7 @@
           <a:p>
             <a:fld id="{81517988-A32B-4128-87EA-4FEFFAC9F546}" type="datetime4">
               <a:rPr lang="en-GB" smtClean="0"/>
-              <a:t>12 July 2017</a:t>
+              <a:t>05 February 2018</a:t>
             </a:fld>
             <a:endParaRPr lang="en-GB" dirty="0"/>
           </a:p>
@@ -16898,7 +16894,7 @@
             <a:fld id="{BC3F1638-3586-4527-A760-38AC15BFC248}" type="datetime4">
               <a:rPr lang="en-GB" smtClean="0"/>
               <a:pPr/>
-              <a:t>12 July 2017</a:t>
+              <a:t>05 February 2018</a:t>
             </a:fld>
             <a:endParaRPr lang="en-GB" dirty="0"/>
           </a:p>
@@ -17047,7 +17043,7 @@
             <a:fld id="{BC3F1638-3586-4527-A760-38AC15BFC248}" type="datetime4">
               <a:rPr lang="en-GB" smtClean="0"/>
               <a:pPr/>
-              <a:t>12 July 2017</a:t>
+              <a:t>05 February 2018</a:t>
             </a:fld>
             <a:endParaRPr lang="en-GB" dirty="0"/>
           </a:p>
@@ -18554,7 +18550,7 @@
             <a:fld id="{EF132C05-E887-4B50-8D8B-AC34AF4881EA}" type="datetime4">
               <a:rPr lang="en-GB" smtClean="0"/>
               <a:pPr/>
-              <a:t>12 July 2017</a:t>
+              <a:t>05 February 2018</a:t>
             </a:fld>
             <a:endParaRPr lang="en-GB" dirty="0"/>
           </a:p>
@@ -18738,7 +18734,7 @@
             <a:fld id="{BC3F1638-3586-4527-A760-38AC15BFC248}" type="datetime4">
               <a:rPr lang="en-GB" smtClean="0"/>
               <a:pPr/>
-              <a:t>12 July 2017</a:t>
+              <a:t>05 February 2018</a:t>
             </a:fld>
             <a:endParaRPr lang="en-GB" dirty="0"/>
           </a:p>
@@ -19235,7 +19231,7 @@
             <a:fld id="{BC3F1638-3586-4527-A760-38AC15BFC248}" type="datetime4">
               <a:rPr lang="en-GB" smtClean="0"/>
               <a:pPr/>
-              <a:t>12 July 2017</a:t>
+              <a:t>05 February 2018</a:t>
             </a:fld>
             <a:endParaRPr lang="en-GB" dirty="0"/>
           </a:p>
@@ -20546,21 +20542,21 @@
 </file>
 
 <file path=customXml/item1.xml><?xml version="1.0" encoding="utf-8"?>
+<p:properties xmlns:p="http://schemas.microsoft.com/office/2006/metadata/properties" xmlns:xsi="http://www.w3.org/2001/XMLSchema-instance" xmlns:pc="http://schemas.microsoft.com/office/infopath/2007/PartnerControls">
+  <documentManagement>
+    <PublishingExpirationDate xmlns="http://schemas.microsoft.com/sharepoint/v3" xsi:nil="true"/>
+    <PublishingStartDate xmlns="http://schemas.microsoft.com/sharepoint/v3" xsi:nil="true"/>
+  </documentManagement>
+</p:properties>
+</file>
+
+<file path=customXml/item2.xml><?xml version="1.0" encoding="utf-8"?>
 <?mso-contentType ?>
 <FormTemplates xmlns="http://schemas.microsoft.com/sharepoint/v3/contenttype/forms">
   <Display>DocumentLibraryForm</Display>
   <Edit>DocumentLibraryForm</Edit>
   <New>DocumentLibraryForm</New>
 </FormTemplates>
-</file>
-
-<file path=customXml/item2.xml><?xml version="1.0" encoding="utf-8"?>
-<p:properties xmlns:p="http://schemas.microsoft.com/office/2006/metadata/properties" xmlns:xsi="http://www.w3.org/2001/XMLSchema-instance" xmlns:pc="http://schemas.microsoft.com/office/infopath/2007/PartnerControls">
-  <documentManagement>
-    <PublishingExpirationDate xmlns="http://schemas.microsoft.com/sharepoint/v3" xsi:nil="true"/>
-    <PublishingStartDate xmlns="http://schemas.microsoft.com/sharepoint/v3" xsi:nil="true"/>
-  </documentManagement>
-</p:properties>
 </file>
 
 <file path=customXml/item3.xml><?xml version="1.0" encoding="utf-8"?>
@@ -20746,27 +20742,27 @@
 </file>
 
 <file path=customXml/itemProps1.xml><?xml version="1.0" encoding="utf-8"?>
-<ds:datastoreItem xmlns:ds="http://schemas.openxmlformats.org/officeDocument/2006/customXml" ds:itemID="{CA1AEAF9-C730-4098-99F1-230B2FED747B}">
+<ds:datastoreItem xmlns:ds="http://schemas.openxmlformats.org/officeDocument/2006/customXml" ds:itemID="{D7186F62-2954-471E-9368-38BF5704F41F}">
   <ds:schemaRefs>
-    <ds:schemaRef ds:uri="http://schemas.microsoft.com/sharepoint/v3/contenttype/forms"/>
+    <ds:schemaRef ds:uri="http://schemas.microsoft.com/sharepoint/v3"/>
+    <ds:schemaRef ds:uri="http://purl.org/dc/elements/1.1/"/>
+    <ds:schemaRef ds:uri="http://schemas.microsoft.com/office/2006/documentManagement/types"/>
+    <ds:schemaRef ds:uri="http://purl.org/dc/dcmitype/"/>
+    <ds:schemaRef ds:uri="http://schemas.microsoft.com/office/2006/metadata/properties"/>
+    <ds:schemaRef ds:uri="http://schemas.microsoft.com/office/infopath/2007/PartnerControls"/>
+    <ds:schemaRef ds:uri="http://schemas.openxmlformats.org/package/2006/metadata/core-properties"/>
+    <ds:schemaRef ds:uri="0ae7057e-292f-4fd1-bead-5494e4c66c6d"/>
+    <ds:schemaRef ds:uri="1913475e-a030-45ec-9e8a-a2630205b38f"/>
+    <ds:schemaRef ds:uri="http://www.w3.org/XML/1998/namespace"/>
+    <ds:schemaRef ds:uri="http://purl.org/dc/terms/"/>
   </ds:schemaRefs>
 </ds:datastoreItem>
 </file>
 
 <file path=customXml/itemProps2.xml><?xml version="1.0" encoding="utf-8"?>
-<ds:datastoreItem xmlns:ds="http://schemas.openxmlformats.org/officeDocument/2006/customXml" ds:itemID="{D7186F62-2954-471E-9368-38BF5704F41F}">
+<ds:datastoreItem xmlns:ds="http://schemas.openxmlformats.org/officeDocument/2006/customXml" ds:itemID="{CA1AEAF9-C730-4098-99F1-230B2FED747B}">
   <ds:schemaRefs>
-    <ds:schemaRef ds:uri="http://schemas.microsoft.com/office/2006/documentManagement/types"/>
-    <ds:schemaRef ds:uri="http://schemas.microsoft.com/office/infopath/2007/PartnerControls"/>
-    <ds:schemaRef ds:uri="http://www.w3.org/XML/1998/namespace"/>
-    <ds:schemaRef ds:uri="http://schemas.microsoft.com/sharepoint/v3"/>
-    <ds:schemaRef ds:uri="http://schemas.openxmlformats.org/package/2006/metadata/core-properties"/>
-    <ds:schemaRef ds:uri="http://purl.org/dc/elements/1.1/"/>
-    <ds:schemaRef ds:uri="1913475e-a030-45ec-9e8a-a2630205b38f"/>
-    <ds:schemaRef ds:uri="http://purl.org/dc/terms/"/>
-    <ds:schemaRef ds:uri="0ae7057e-292f-4fd1-bead-5494e4c66c6d"/>
-    <ds:schemaRef ds:uri="http://schemas.microsoft.com/office/2006/metadata/properties"/>
-    <ds:schemaRef ds:uri="http://purl.org/dc/dcmitype/"/>
+    <ds:schemaRef ds:uri="http://schemas.microsoft.com/sharepoint/v3/contenttype/forms"/>
   </ds:schemaRefs>
 </ds:datastoreItem>
 </file>

--- a/documentation/01 Interfaces Technical - Overview.pptx
+++ b/documentation/01 Interfaces Technical - Overview.pptx
@@ -235,7 +235,7 @@
           <a:p>
             <a:fld id="{CE53DE84-D7B3-4797-B14D-77424657396D}" type="datetimeFigureOut">
               <a:rPr lang="en-GB" smtClean="0"/>
-              <a:t>05/02/2018</a:t>
+              <a:t>06/03/2018</a:t>
             </a:fld>
             <a:endParaRPr lang="en-GB" dirty="0"/>
           </a:p>
@@ -400,7 +400,7 @@
           <a:p>
             <a:fld id="{D1C597EC-6BB0-461C-B045-D257C6C8821E}" type="datetimeFigureOut">
               <a:rPr lang="en-GB" smtClean="0"/>
-              <a:t>05/02/2018</a:t>
+              <a:t>06/03/2018</a:t>
             </a:fld>
             <a:endParaRPr lang="en-GB" dirty="0"/>
           </a:p>
@@ -2514,7 +2514,7 @@
           <a:p>
             <a:fld id="{22E7AA2F-F619-4723-B6E7-545F24B9918D}" type="datetime4">
               <a:rPr lang="en-GB" smtClean="0"/>
-              <a:t>05 February 2018</a:t>
+              <a:t>06 March 2018</a:t>
             </a:fld>
             <a:endParaRPr lang="en-GB" dirty="0"/>
           </a:p>
@@ -2718,7 +2718,7 @@
           <a:p>
             <a:fld id="{2A4201E0-34F3-46A7-AE44-D99163B13904}" type="datetime4">
               <a:rPr lang="en-GB" smtClean="0"/>
-              <a:t>05 February 2018</a:t>
+              <a:t>06 March 2018</a:t>
             </a:fld>
             <a:endParaRPr lang="en-GB" dirty="0"/>
           </a:p>
@@ -2966,7 +2966,7 @@
           <a:p>
             <a:fld id="{4FAE0867-24A8-448F-B507-CC8586AA6B96}" type="datetime4">
               <a:rPr lang="en-GB" smtClean="0"/>
-              <a:t>05 February 2018</a:t>
+              <a:t>06 March 2018</a:t>
             </a:fld>
             <a:endParaRPr lang="en-GB" dirty="0"/>
           </a:p>
@@ -3150,7 +3150,7 @@
           <a:p>
             <a:fld id="{54BE1DED-F17D-40BA-964F-A1C8DEDCEF61}" type="datetime4">
               <a:rPr lang="en-GB" smtClean="0"/>
-              <a:t>05 February 2018</a:t>
+              <a:t>06 March 2018</a:t>
             </a:fld>
             <a:endParaRPr lang="en-GB" dirty="0"/>
           </a:p>
@@ -3526,7 +3526,7 @@
             <a:fld id="{D9FBC6CA-9941-44FF-B65D-C7A23CB5A4BE}" type="datetime4">
               <a:rPr lang="en-GB" smtClean="0"/>
               <a:pPr/>
-              <a:t>05 February 2018</a:t>
+              <a:t>06 March 2018</a:t>
             </a:fld>
             <a:endParaRPr lang="en-GB" dirty="0"/>
           </a:p>
@@ -3712,7 +3712,7 @@
           <a:p>
             <a:fld id="{D473304B-F8FC-4BC7-8FE8-C50BC87E1FAB}" type="datetime4">
               <a:rPr lang="en-GB" smtClean="0"/>
-              <a:t>05 February 2018</a:t>
+              <a:t>06 March 2018</a:t>
             </a:fld>
             <a:endParaRPr lang="en-GB" dirty="0"/>
           </a:p>
@@ -3807,7 +3807,7 @@
           <a:p>
             <a:fld id="{D3D7C3DF-C1B2-4C30-9BDA-F5EE790E7213}" type="datetime4">
               <a:rPr lang="en-GB" smtClean="0"/>
-              <a:t>05 February 2018</a:t>
+              <a:t>06 March 2018</a:t>
             </a:fld>
             <a:endParaRPr lang="en-GB" dirty="0"/>
           </a:p>
@@ -4032,7 +4032,7 @@
           <a:p>
             <a:fld id="{7A1E630C-C3F3-4A66-A20B-F3CE4CC3331D}" type="datetime4">
               <a:rPr lang="en-GB" smtClean="0"/>
-              <a:t>05 February 2018</a:t>
+              <a:t>06 March 2018</a:t>
             </a:fld>
             <a:endParaRPr lang="en-GB" dirty="0"/>
           </a:p>
@@ -4666,7 +4666,7 @@
           <a:p>
             <a:fld id="{D22C19FE-D082-4640-BFED-203C0E583774}" type="datetime4">
               <a:rPr lang="en-GB" smtClean="0"/>
-              <a:t>05 February 2018</a:t>
+              <a:t>06 March 2018</a:t>
             </a:fld>
             <a:endParaRPr lang="en-GB" dirty="0"/>
           </a:p>
@@ -5512,7 +5512,7 @@
             <a:fld id="{BC3F1638-3586-4527-A760-38AC15BFC248}" type="datetime4">
               <a:rPr lang="en-GB" smtClean="0"/>
               <a:pPr/>
-              <a:t>05 February 2018</a:t>
+              <a:t>06 March 2018</a:t>
             </a:fld>
             <a:endParaRPr lang="en-GB" dirty="0"/>
           </a:p>
@@ -6303,7 +6303,7 @@
             <a:fld id="{BC3F1638-3586-4527-A760-38AC15BFC248}" type="datetime4">
               <a:rPr lang="en-GB" smtClean="0"/>
               <a:pPr/>
-              <a:t>05 February 2018</a:t>
+              <a:t>06 March 2018</a:t>
             </a:fld>
             <a:endParaRPr lang="en-GB" dirty="0"/>
           </a:p>
@@ -7051,7 +7051,7 @@
             <a:fld id="{BC3F1638-3586-4527-A760-38AC15BFC248}" type="datetime4">
               <a:rPr lang="en-GB" smtClean="0"/>
               <a:pPr/>
-              <a:t>05 February 2018</a:t>
+              <a:t>06 March 2018</a:t>
             </a:fld>
             <a:endParaRPr lang="en-GB" dirty="0"/>
           </a:p>
@@ -7502,7 +7502,7 @@
             <a:fld id="{BC3F1638-3586-4527-A760-38AC15BFC248}" type="datetime4">
               <a:rPr lang="en-GB" smtClean="0"/>
               <a:pPr/>
-              <a:t>05 February 2018</a:t>
+              <a:t>06 March 2018</a:t>
             </a:fld>
             <a:endParaRPr lang="en-GB" dirty="0"/>
           </a:p>
@@ -9038,7 +9038,7 @@
             <a:fld id="{BC3F1638-3586-4527-A760-38AC15BFC248}" type="datetime4">
               <a:rPr lang="en-GB" smtClean="0"/>
               <a:pPr/>
-              <a:t>05 February 2018</a:t>
+              <a:t>06 March 2018</a:t>
             </a:fld>
             <a:endParaRPr lang="en-GB" dirty="0"/>
           </a:p>
@@ -10559,7 +10559,7 @@
             <a:fld id="{EF132C05-E887-4B50-8D8B-AC34AF4881EA}" type="datetime4">
               <a:rPr lang="en-GB" smtClean="0"/>
               <a:pPr/>
-              <a:t>05 February 2018</a:t>
+              <a:t>06 March 2018</a:t>
             </a:fld>
             <a:endParaRPr lang="en-GB" dirty="0"/>
           </a:p>
@@ -10977,7 +10977,7 @@
             <a:fld id="{BC3F1638-3586-4527-A760-38AC15BFC248}" type="datetime4">
               <a:rPr lang="en-GB" smtClean="0"/>
               <a:pPr/>
-              <a:t>05 February 2018</a:t>
+              <a:t>06 March 2018</a:t>
             </a:fld>
             <a:endParaRPr lang="en-GB" dirty="0"/>
           </a:p>
@@ -11589,7 +11589,7 @@
             <a:fld id="{BC3F1638-3586-4527-A760-38AC15BFC248}" type="datetime4">
               <a:rPr lang="en-GB" smtClean="0"/>
               <a:pPr/>
-              <a:t>05 February 2018</a:t>
+              <a:t>06 March 2018</a:t>
             </a:fld>
             <a:endParaRPr lang="en-GB" dirty="0"/>
           </a:p>
@@ -12322,7 +12322,7 @@
             <a:fld id="{BC3F1638-3586-4527-A760-38AC15BFC248}" type="datetime4">
               <a:rPr lang="en-GB" smtClean="0"/>
               <a:pPr/>
-              <a:t>05 February 2018</a:t>
+              <a:t>06 March 2018</a:t>
             </a:fld>
             <a:endParaRPr lang="en-GB" dirty="0"/>
           </a:p>
@@ -12715,7 +12715,7 @@
             <a:fld id="{BC3F1638-3586-4527-A760-38AC15BFC248}" type="datetime4">
               <a:rPr lang="en-GB" smtClean="0"/>
               <a:pPr/>
-              <a:t>05 February 2018</a:t>
+              <a:t>06 March 2018</a:t>
             </a:fld>
             <a:endParaRPr lang="en-GB" dirty="0"/>
           </a:p>
@@ -14307,7 +14307,7 @@
           <a:p>
             <a:fld id="{6096F0BA-ECEE-44D1-ABE9-40C67B221300}" type="datetime4">
               <a:rPr lang="en-GB" smtClean="0"/>
-              <a:t>05 February 2018</a:t>
+              <a:t>06 March 2018</a:t>
             </a:fld>
             <a:endParaRPr lang="en-GB" dirty="0"/>
           </a:p>
@@ -14431,7 +14431,7 @@
             <a:fld id="{BC3F1638-3586-4527-A760-38AC15BFC248}" type="datetime4">
               <a:rPr lang="en-GB" smtClean="0"/>
               <a:pPr/>
-              <a:t>05 February 2018</a:t>
+              <a:t>06 March 2018</a:t>
             </a:fld>
             <a:endParaRPr lang="en-GB" dirty="0"/>
           </a:p>
@@ -16042,7 +16042,7 @@
             <a:fld id="{F50B903D-5BEF-4D88-93B1-45489230976E}" type="datetime4">
               <a:rPr lang="en-GB" smtClean="0"/>
               <a:pPr/>
-              <a:t>05 February 2018</a:t>
+              <a:t>06 March 2018</a:t>
             </a:fld>
             <a:endParaRPr lang="en-GB" dirty="0"/>
           </a:p>
@@ -16215,7 +16215,6 @@
               <a:rPr lang="en-GB" dirty="0" smtClean="0"/>
               <a:t>Integration Team</a:t>
             </a:r>
-            <a:endParaRPr lang="en-GB" dirty="0" smtClean="0"/>
           </a:p>
         </p:txBody>
       </p:sp>
@@ -16237,7 +16236,7 @@
             <a:fld id="{D98A2CEC-3088-437B-B321-33BEC7D93FCD}" type="datetime4">
               <a:rPr lang="en-GB" smtClean="0"/>
               <a:pPr/>
-              <a:t>05 February 2018</a:t>
+              <a:t>06 March 2018</a:t>
             </a:fld>
             <a:endParaRPr lang="en-GB" dirty="0"/>
           </a:p>
@@ -16405,7 +16404,7 @@
             <a:fld id="{014A5046-EA5E-455B-A3BC-352818629394}" type="datetime4">
               <a:rPr lang="en-GB" smtClean="0"/>
               <a:pPr/>
-              <a:t>05 February 2018</a:t>
+              <a:t>06 March 2018</a:t>
             </a:fld>
             <a:endParaRPr lang="en-GB" dirty="0"/>
           </a:p>
@@ -16751,7 +16750,7 @@
           <a:p>
             <a:fld id="{81517988-A32B-4128-87EA-4FEFFAC9F546}" type="datetime4">
               <a:rPr lang="en-GB" smtClean="0"/>
-              <a:t>05 February 2018</a:t>
+              <a:t>06 March 2018</a:t>
             </a:fld>
             <a:endParaRPr lang="en-GB" dirty="0"/>
           </a:p>
@@ -16894,7 +16893,7 @@
             <a:fld id="{BC3F1638-3586-4527-A760-38AC15BFC248}" type="datetime4">
               <a:rPr lang="en-GB" smtClean="0"/>
               <a:pPr/>
-              <a:t>05 February 2018</a:t>
+              <a:t>06 March 2018</a:t>
             </a:fld>
             <a:endParaRPr lang="en-GB" dirty="0"/>
           </a:p>
@@ -17043,7 +17042,7 @@
             <a:fld id="{BC3F1638-3586-4527-A760-38AC15BFC248}" type="datetime4">
               <a:rPr lang="en-GB" smtClean="0"/>
               <a:pPr/>
-              <a:t>05 February 2018</a:t>
+              <a:t>06 March 2018</a:t>
             </a:fld>
             <a:endParaRPr lang="en-GB" dirty="0"/>
           </a:p>
@@ -17229,8 +17228,8 @@
         </p:nvSpPr>
         <p:spPr>
           <a:xfrm>
-            <a:off x="4553388" y="3407426"/>
-            <a:ext cx="1941921" cy="311084"/>
+            <a:off x="2157408" y="3158043"/>
+            <a:ext cx="4337901" cy="311084"/>
           </a:xfrm>
           <a:prstGeom prst="rect">
             <a:avLst/>
@@ -17272,14 +17271,13 @@
           <p:cNvPr id="18" name="Straight Arrow Connector 17"/>
           <p:cNvCxnSpPr>
             <a:stCxn id="13" idx="2"/>
-            <a:endCxn id="16" idx="0"/>
           </p:cNvCxnSpPr>
           <p:nvPr/>
         </p:nvCxnSpPr>
         <p:spPr>
-          <a:xfrm>
-            <a:off x="5524349" y="2837467"/>
-            <a:ext cx="0" cy="569959"/>
+          <a:xfrm flipH="1">
+            <a:off x="5524347" y="2837467"/>
+            <a:ext cx="2" cy="320576"/>
           </a:xfrm>
           <a:prstGeom prst="straightConnector1">
             <a:avLst/>
@@ -17441,8 +17439,8 @@
         </p:nvSpPr>
         <p:spPr>
           <a:xfrm>
-            <a:off x="9345348" y="3407426"/>
-            <a:ext cx="1941921" cy="311084"/>
+            <a:off x="6949366" y="1139596"/>
+            <a:ext cx="4337902" cy="311084"/>
           </a:xfrm>
           <a:prstGeom prst="rect">
             <a:avLst/>
@@ -17483,14 +17481,14 @@
         <p:nvCxnSpPr>
           <p:cNvPr id="23" name="Straight Arrow Connector 22"/>
           <p:cNvCxnSpPr>
-            <a:endCxn id="22" idx="0"/>
+            <a:stCxn id="21" idx="0"/>
           </p:cNvCxnSpPr>
           <p:nvPr/>
         </p:nvCxnSpPr>
         <p:spPr>
-          <a:xfrm>
-            <a:off x="10316309" y="2837467"/>
-            <a:ext cx="0" cy="569959"/>
+          <a:xfrm flipH="1" flipV="1">
+            <a:off x="10309292" y="1414021"/>
+            <a:ext cx="7017" cy="584461"/>
           </a:xfrm>
           <a:prstGeom prst="straightConnector1">
             <a:avLst/>
@@ -17500,6 +17498,7 @@
               <a:schemeClr val="accent2"/>
             </a:solidFill>
             <a:prstDash val="sysDot"/>
+            <a:headEnd type="triangle"/>
             <a:tailEnd type="triangle"/>
           </a:ln>
         </p:spPr>
@@ -17526,8 +17525,8 @@
         </p:nvSpPr>
         <p:spPr>
           <a:xfrm>
-            <a:off x="6949368" y="1296184"/>
-            <a:ext cx="4337901" cy="311084"/>
+            <a:off x="4553386" y="3666300"/>
+            <a:ext cx="1941922" cy="311084"/>
           </a:xfrm>
           <a:prstGeom prst="rect">
             <a:avLst/>
@@ -17568,14 +17567,14 @@
         <p:nvCxnSpPr>
           <p:cNvPr id="25" name="Straight Arrow Connector 24"/>
           <p:cNvCxnSpPr>
-            <a:stCxn id="21" idx="0"/>
+            <a:endCxn id="24" idx="2"/>
           </p:cNvCxnSpPr>
           <p:nvPr/>
         </p:nvCxnSpPr>
         <p:spPr>
           <a:xfrm flipV="1">
-            <a:off x="10316309" y="1607268"/>
-            <a:ext cx="0" cy="391214"/>
+            <a:off x="5524347" y="3977384"/>
+            <a:ext cx="0" cy="334527"/>
           </a:xfrm>
           <a:prstGeom prst="straightConnector1">
             <a:avLst/>
@@ -17611,8 +17610,8 @@
         </p:nvCxnSpPr>
         <p:spPr>
           <a:xfrm flipV="1">
-            <a:off x="7844128" y="1607268"/>
-            <a:ext cx="1" cy="394356"/>
+            <a:off x="3128366" y="3477672"/>
+            <a:ext cx="0" cy="830440"/>
           </a:xfrm>
           <a:prstGeom prst="straightConnector1">
             <a:avLst/>
@@ -18006,16 +18005,49 @@
           </a:fontRef>
         </p:style>
       </p:cxnSp>
-      <p:sp>
-        <p:nvSpPr>
-          <p:cNvPr id="55" name="Flowchart: Predefined Process 54"/>
+      <p:cxnSp>
+        <p:nvCxnSpPr>
+          <p:cNvPr id="56" name="Straight Arrow Connector 55"/>
+          <p:cNvCxnSpPr/>
+          <p:nvPr/>
+        </p:nvCxnSpPr>
+        <p:spPr>
+          <a:xfrm flipH="1" flipV="1">
+            <a:off x="6495309" y="4707961"/>
+            <a:ext cx="454058" cy="1"/>
+          </a:xfrm>
+          <a:prstGeom prst="straightConnector1">
+            <a:avLst/>
+          </a:prstGeom>
+          <a:ln w="12700">
+            <a:tailEnd type="triangle" w="lg" len="lg"/>
+          </a:ln>
+        </p:spPr>
+        <p:style>
+          <a:lnRef idx="1">
+            <a:schemeClr val="accent1"/>
+          </a:lnRef>
+          <a:fillRef idx="0">
+            <a:schemeClr val="accent1"/>
+          </a:fillRef>
+          <a:effectRef idx="0">
+            <a:schemeClr val="accent1"/>
+          </a:effectRef>
+          <a:fontRef idx="minor">
+            <a:schemeClr val="tx1"/>
+          </a:fontRef>
+        </p:style>
+      </p:cxnSp>
+      <p:sp>
+        <p:nvSpPr>
+          <p:cNvPr id="57" name="Flowchart: Predefined Process 56"/>
           <p:cNvSpPr/>
           <p:nvPr/>
         </p:nvSpPr>
         <p:spPr>
           <a:xfrm>
-            <a:off x="4553388" y="4288468"/>
-            <a:ext cx="1941921" cy="838985"/>
+            <a:off x="2157408" y="4288468"/>
+            <a:ext cx="4337900" cy="838985"/>
           </a:xfrm>
           <a:prstGeom prst="flowChartPredefinedProcess">
             <a:avLst/>
@@ -18059,7 +18091,7 @@
                   <a:schemeClr val="tx1"/>
                 </a:solidFill>
               </a:rPr>
-              <a:t>Balance Check</a:t>
+              <a:t>Payment execution</a:t>
             </a:r>
             <a:endParaRPr lang="he-IL" sz="1200" dirty="0">
               <a:solidFill>
@@ -18069,139 +18101,6 @@
           </a:p>
         </p:txBody>
       </p:sp>
-      <p:cxnSp>
-        <p:nvCxnSpPr>
-          <p:cNvPr id="56" name="Straight Arrow Connector 55"/>
-          <p:cNvCxnSpPr>
-            <a:endCxn id="55" idx="3"/>
-          </p:cNvCxnSpPr>
-          <p:nvPr/>
-        </p:nvCxnSpPr>
-        <p:spPr>
-          <a:xfrm flipH="1" flipV="1">
-            <a:off x="6495309" y="4707961"/>
-            <a:ext cx="454058" cy="1"/>
-          </a:xfrm>
-          <a:prstGeom prst="straightConnector1">
-            <a:avLst/>
-          </a:prstGeom>
-          <a:ln w="12700">
-            <a:tailEnd type="triangle" w="lg" len="lg"/>
-          </a:ln>
-        </p:spPr>
-        <p:style>
-          <a:lnRef idx="1">
-            <a:schemeClr val="accent1"/>
-          </a:lnRef>
-          <a:fillRef idx="0">
-            <a:schemeClr val="accent1"/>
-          </a:fillRef>
-          <a:effectRef idx="0">
-            <a:schemeClr val="accent1"/>
-          </a:effectRef>
-          <a:fontRef idx="minor">
-            <a:schemeClr val="tx1"/>
-          </a:fontRef>
-        </p:style>
-      </p:cxnSp>
-      <p:sp>
-        <p:nvSpPr>
-          <p:cNvPr id="57" name="Flowchart: Predefined Process 56"/>
-          <p:cNvSpPr/>
-          <p:nvPr/>
-        </p:nvSpPr>
-        <p:spPr>
-          <a:xfrm>
-            <a:off x="2157408" y="4288468"/>
-            <a:ext cx="1941921" cy="838985"/>
-          </a:xfrm>
-          <a:prstGeom prst="flowChartPredefinedProcess">
-            <a:avLst/>
-          </a:prstGeom>
-          <a:solidFill>
-            <a:schemeClr val="accent1">
-              <a:lumMod val="20000"/>
-              <a:lumOff val="80000"/>
-            </a:schemeClr>
-          </a:solidFill>
-          <a:ln>
-            <a:solidFill>
-              <a:schemeClr val="accent2"/>
-            </a:solidFill>
-          </a:ln>
-        </p:spPr>
-        <p:style>
-          <a:lnRef idx="2">
-            <a:schemeClr val="accent1">
-              <a:shade val="50000"/>
-            </a:schemeClr>
-          </a:lnRef>
-          <a:fillRef idx="1">
-            <a:schemeClr val="accent1"/>
-          </a:fillRef>
-          <a:effectRef idx="0">
-            <a:schemeClr val="accent1"/>
-          </a:effectRef>
-          <a:fontRef idx="minor">
-            <a:schemeClr val="lt1"/>
-          </a:fontRef>
-        </p:style>
-        <p:txBody>
-          <a:bodyPr rtlCol="0" anchor="ctr"/>
-          <a:lstStyle/>
-          <a:p>
-            <a:pPr algn="ctr"/>
-            <a:r>
-              <a:rPr lang="en-US" sz="1200" dirty="0" smtClean="0">
-                <a:solidFill>
-                  <a:schemeClr val="tx1"/>
-                </a:solidFill>
-              </a:rPr>
-              <a:t>Posting</a:t>
-            </a:r>
-            <a:endParaRPr lang="he-IL" sz="1200" dirty="0">
-              <a:solidFill>
-                <a:schemeClr val="tx1"/>
-              </a:solidFill>
-            </a:endParaRPr>
-          </a:p>
-        </p:txBody>
-      </p:sp>
-      <p:cxnSp>
-        <p:nvCxnSpPr>
-          <p:cNvPr id="58" name="Straight Arrow Connector 57"/>
-          <p:cNvCxnSpPr>
-            <a:endCxn id="57" idx="3"/>
-          </p:cNvCxnSpPr>
-          <p:nvPr/>
-        </p:nvCxnSpPr>
-        <p:spPr>
-          <a:xfrm flipH="1" flipV="1">
-            <a:off x="4099329" y="4707961"/>
-            <a:ext cx="454058" cy="1"/>
-          </a:xfrm>
-          <a:prstGeom prst="straightConnector1">
-            <a:avLst/>
-          </a:prstGeom>
-          <a:ln w="12700">
-            <a:tailEnd type="triangle" w="lg" len="lg"/>
-          </a:ln>
-        </p:spPr>
-        <p:style>
-          <a:lnRef idx="1">
-            <a:schemeClr val="accent1"/>
-          </a:lnRef>
-          <a:fillRef idx="0">
-            <a:schemeClr val="accent1"/>
-          </a:fillRef>
-          <a:effectRef idx="0">
-            <a:schemeClr val="accent1"/>
-          </a:effectRef>
-          <a:fontRef idx="minor">
-            <a:schemeClr val="tx1"/>
-          </a:fontRef>
-        </p:style>
-      </p:cxnSp>
       <p:sp>
         <p:nvSpPr>
           <p:cNvPr id="59" name="Flowchart: Document 58"/>
@@ -18338,7 +18237,6 @@
         <p:nvCxnSpPr>
           <p:cNvPr id="66" name="Straight Arrow Connector 65"/>
           <p:cNvCxnSpPr>
-            <a:stCxn id="55" idx="2"/>
             <a:endCxn id="65" idx="0"/>
           </p:cNvCxnSpPr>
           <p:nvPr/>
@@ -18424,15 +18322,14 @@
         <p:nvCxnSpPr>
           <p:cNvPr id="68" name="Straight Arrow Connector 67"/>
           <p:cNvCxnSpPr>
-            <a:stCxn id="57" idx="2"/>
             <a:endCxn id="67" idx="0"/>
           </p:cNvCxnSpPr>
           <p:nvPr/>
         </p:nvCxnSpPr>
         <p:spPr>
-          <a:xfrm>
+          <a:xfrm flipH="1">
             <a:off x="3128369" y="5127453"/>
-            <a:ext cx="0" cy="580111"/>
+            <a:ext cx="1" cy="580111"/>
           </a:xfrm>
           <a:prstGeom prst="straightConnector1">
             <a:avLst/>
@@ -18460,6 +18357,178 @@
           </a:fontRef>
         </p:style>
       </p:cxnSp>
+      <p:cxnSp>
+        <p:nvCxnSpPr>
+          <p:cNvPr id="38" name="Straight Arrow Connector 37"/>
+          <p:cNvCxnSpPr>
+            <a:stCxn id="20" idx="0"/>
+          </p:cNvCxnSpPr>
+          <p:nvPr/>
+        </p:nvCxnSpPr>
+        <p:spPr>
+          <a:xfrm flipH="1" flipV="1">
+            <a:off x="7913312" y="1414021"/>
+            <a:ext cx="7017" cy="584461"/>
+          </a:xfrm>
+          <a:prstGeom prst="straightConnector1">
+            <a:avLst/>
+          </a:prstGeom>
+          <a:ln w="41275" cmpd="sng">
+            <a:solidFill>
+              <a:schemeClr val="accent2"/>
+            </a:solidFill>
+            <a:prstDash val="sysDot"/>
+            <a:headEnd type="triangle"/>
+            <a:tailEnd type="triangle"/>
+          </a:ln>
+        </p:spPr>
+        <p:style>
+          <a:lnRef idx="1">
+            <a:schemeClr val="accent1"/>
+          </a:lnRef>
+          <a:fillRef idx="0">
+            <a:schemeClr val="accent1"/>
+          </a:fillRef>
+          <a:effectRef idx="0">
+            <a:schemeClr val="accent1"/>
+          </a:effectRef>
+          <a:fontRef idx="minor">
+            <a:schemeClr val="tx1"/>
+          </a:fontRef>
+        </p:style>
+      </p:cxnSp>
+      <p:sp>
+        <p:nvSpPr>
+          <p:cNvPr id="39" name="TextBox 38"/>
+          <p:cNvSpPr txBox="1"/>
+          <p:nvPr/>
+        </p:nvSpPr>
+        <p:spPr>
+          <a:xfrm>
+            <a:off x="7022398" y="6082336"/>
+            <a:ext cx="1941921" cy="311084"/>
+          </a:xfrm>
+          <a:prstGeom prst="rect">
+            <a:avLst/>
+          </a:prstGeom>
+          <a:solidFill>
+            <a:schemeClr val="accent2"/>
+          </a:solidFill>
+          <a:ln>
+            <a:solidFill>
+              <a:schemeClr val="accent1"/>
+            </a:solidFill>
+          </a:ln>
+        </p:spPr>
+        <p:txBody>
+          <a:bodyPr wrap="square" lIns="0" tIns="0" rIns="0" bIns="0" rtlCol="1" anchor="ctr">
+            <a:noAutofit/>
+          </a:bodyPr>
+          <a:lstStyle/>
+          <a:p>
+            <a:pPr algn="ctr"/>
+            <a:r>
+              <a:rPr lang="en-US" sz="1200" dirty="0" smtClean="0">
+                <a:solidFill>
+                  <a:schemeClr val="bg1"/>
+                </a:solidFill>
+              </a:rPr>
+              <a:t>Advising </a:t>
+            </a:r>
+            <a:r>
+              <a:rPr lang="en-US" sz="1200" dirty="0" smtClean="0">
+                <a:solidFill>
+                  <a:schemeClr val="bg1"/>
+                </a:solidFill>
+              </a:rPr>
+              <a:t>System</a:t>
+            </a:r>
+            <a:endParaRPr lang="he-IL" sz="1200" dirty="0" err="1" smtClean="0">
+              <a:solidFill>
+                <a:schemeClr val="bg1"/>
+              </a:solidFill>
+            </a:endParaRPr>
+          </a:p>
+        </p:txBody>
+      </p:sp>
+      <p:cxnSp>
+        <p:nvCxnSpPr>
+          <p:cNvPr id="40" name="Straight Arrow Connector 39"/>
+          <p:cNvCxnSpPr>
+            <a:stCxn id="39" idx="3"/>
+            <a:endCxn id="4" idx="1"/>
+          </p:cNvCxnSpPr>
+          <p:nvPr/>
+        </p:nvCxnSpPr>
+        <p:spPr>
+          <a:xfrm flipV="1">
+            <a:off x="8964319" y="6231614"/>
+            <a:ext cx="468096" cy="6264"/>
+          </a:xfrm>
+          <a:prstGeom prst="straightConnector1">
+            <a:avLst/>
+          </a:prstGeom>
+          <a:ln w="28575" cmpd="sng">
+            <a:solidFill>
+              <a:schemeClr val="accent2"/>
+            </a:solidFill>
+            <a:prstDash val="sysDot"/>
+            <a:tailEnd type="triangle" w="lg" len="lg"/>
+          </a:ln>
+        </p:spPr>
+        <p:style>
+          <a:lnRef idx="1">
+            <a:schemeClr val="accent1"/>
+          </a:lnRef>
+          <a:fillRef idx="0">
+            <a:schemeClr val="accent1"/>
+          </a:fillRef>
+          <a:effectRef idx="0">
+            <a:schemeClr val="accent1"/>
+          </a:effectRef>
+          <a:fontRef idx="minor">
+            <a:schemeClr val="tx1"/>
+          </a:fontRef>
+        </p:style>
+      </p:cxnSp>
+      <p:sp>
+        <p:nvSpPr>
+          <p:cNvPr id="4" name="TextBox 3"/>
+          <p:cNvSpPr txBox="1"/>
+          <p:nvPr/>
+        </p:nvSpPr>
+        <p:spPr>
+          <a:xfrm>
+            <a:off x="9432415" y="5995966"/>
+            <a:ext cx="2029629" cy="471296"/>
+          </a:xfrm>
+          <a:prstGeom prst="rect">
+            <a:avLst/>
+          </a:prstGeom>
+          <a:noFill/>
+        </p:spPr>
+        <p:txBody>
+          <a:bodyPr wrap="square" lIns="0" tIns="0" rIns="0" bIns="0" rtlCol="0">
+            <a:noAutofit/>
+          </a:bodyPr>
+          <a:lstStyle/>
+          <a:p>
+            <a:r>
+              <a:rPr lang="en-US" sz="1200" dirty="0" smtClean="0">
+                <a:solidFill>
+                  <a:schemeClr val="tx2"/>
+                </a:solidFill>
+              </a:rPr>
+              <a:t>Opened at every complete or intermediate status</a:t>
+            </a:r>
+            <a:endParaRPr lang="en-US" sz="1200" dirty="0" smtClean="0">
+              <a:solidFill>
+                <a:schemeClr val="tx2"/>
+              </a:solidFill>
+            </a:endParaRPr>
+          </a:p>
+        </p:txBody>
+      </p:sp>
     </p:spTree>
     <p:extLst>
       <p:ext uri="{BB962C8B-B14F-4D97-AF65-F5344CB8AC3E}">
@@ -18550,7 +18619,7 @@
             <a:fld id="{EF132C05-E887-4B50-8D8B-AC34AF4881EA}" type="datetime4">
               <a:rPr lang="en-GB" smtClean="0"/>
               <a:pPr/>
-              <a:t>05 February 2018</a:t>
+              <a:t>06 March 2018</a:t>
             </a:fld>
             <a:endParaRPr lang="en-GB" dirty="0"/>
           </a:p>
@@ -18734,7 +18803,7 @@
             <a:fld id="{BC3F1638-3586-4527-A760-38AC15BFC248}" type="datetime4">
               <a:rPr lang="en-GB" smtClean="0"/>
               <a:pPr/>
-              <a:t>05 February 2018</a:t>
+              <a:t>06 March 2018</a:t>
             </a:fld>
             <a:endParaRPr lang="en-GB" dirty="0"/>
           </a:p>
@@ -19231,7 +19300,7 @@
             <a:fld id="{BC3F1638-3586-4527-A760-38AC15BFC248}" type="datetime4">
               <a:rPr lang="en-GB" smtClean="0"/>
               <a:pPr/>
-              <a:t>05 February 2018</a:t>
+              <a:t>06 March 2018</a:t>
             </a:fld>
             <a:endParaRPr lang="en-GB" dirty="0"/>
           </a:p>
@@ -20542,21 +20611,21 @@
 </file>
 
 <file path=customXml/item1.xml><?xml version="1.0" encoding="utf-8"?>
+<?mso-contentType ?>
+<FormTemplates xmlns="http://schemas.microsoft.com/sharepoint/v3/contenttype/forms">
+  <Display>DocumentLibraryForm</Display>
+  <Edit>DocumentLibraryForm</Edit>
+  <New>DocumentLibraryForm</New>
+</FormTemplates>
+</file>
+
+<file path=customXml/item2.xml><?xml version="1.0" encoding="utf-8"?>
 <p:properties xmlns:p="http://schemas.microsoft.com/office/2006/metadata/properties" xmlns:xsi="http://www.w3.org/2001/XMLSchema-instance" xmlns:pc="http://schemas.microsoft.com/office/infopath/2007/PartnerControls">
   <documentManagement>
     <PublishingExpirationDate xmlns="http://schemas.microsoft.com/sharepoint/v3" xsi:nil="true"/>
     <PublishingStartDate xmlns="http://schemas.microsoft.com/sharepoint/v3" xsi:nil="true"/>
   </documentManagement>
 </p:properties>
-</file>
-
-<file path=customXml/item2.xml><?xml version="1.0" encoding="utf-8"?>
-<?mso-contentType ?>
-<FormTemplates xmlns="http://schemas.microsoft.com/sharepoint/v3/contenttype/forms">
-  <Display>DocumentLibraryForm</Display>
-  <Edit>DocumentLibraryForm</Edit>
-  <New>DocumentLibraryForm</New>
-</FormTemplates>
 </file>
 
 <file path=customXml/item3.xml><?xml version="1.0" encoding="utf-8"?>
@@ -20742,6 +20811,14 @@
 </file>
 
 <file path=customXml/itemProps1.xml><?xml version="1.0" encoding="utf-8"?>
+<ds:datastoreItem xmlns:ds="http://schemas.openxmlformats.org/officeDocument/2006/customXml" ds:itemID="{CA1AEAF9-C730-4098-99F1-230B2FED747B}">
+  <ds:schemaRefs>
+    <ds:schemaRef ds:uri="http://schemas.microsoft.com/sharepoint/v3/contenttype/forms"/>
+  </ds:schemaRefs>
+</ds:datastoreItem>
+</file>
+
+<file path=customXml/itemProps2.xml><?xml version="1.0" encoding="utf-8"?>
 <ds:datastoreItem xmlns:ds="http://schemas.openxmlformats.org/officeDocument/2006/customXml" ds:itemID="{D7186F62-2954-471E-9368-38BF5704F41F}">
   <ds:schemaRefs>
     <ds:schemaRef ds:uri="http://schemas.microsoft.com/sharepoint/v3"/>
@@ -20755,14 +20832,6 @@
     <ds:schemaRef ds:uri="1913475e-a030-45ec-9e8a-a2630205b38f"/>
     <ds:schemaRef ds:uri="http://www.w3.org/XML/1998/namespace"/>
     <ds:schemaRef ds:uri="http://purl.org/dc/terms/"/>
-  </ds:schemaRefs>
-</ds:datastoreItem>
-</file>
-
-<file path=customXml/itemProps2.xml><?xml version="1.0" encoding="utf-8"?>
-<ds:datastoreItem xmlns:ds="http://schemas.openxmlformats.org/officeDocument/2006/customXml" ds:itemID="{CA1AEAF9-C730-4098-99F1-230B2FED747B}">
-  <ds:schemaRefs>
-    <ds:schemaRef ds:uri="http://schemas.microsoft.com/sharepoint/v3/contenttype/forms"/>
   </ds:schemaRefs>
 </ds:datastoreItem>
 </file>
